--- a/GIT.pptx
+++ b/GIT.pptx
@@ -8,9 +8,11 @@
     <p:sldId id="256" r:id="rId2"/>
     <p:sldId id="258" r:id="rId3"/>
     <p:sldId id="259" r:id="rId4"/>
-    <p:sldId id="260" r:id="rId5"/>
-    <p:sldId id="257" r:id="rId6"/>
-    <p:sldId id="261" r:id="rId7"/>
+    <p:sldId id="262" r:id="rId5"/>
+    <p:sldId id="260" r:id="rId6"/>
+    <p:sldId id="257" r:id="rId7"/>
+    <p:sldId id="263" r:id="rId8"/>
+    <p:sldId id="261" r:id="rId9"/>
   </p:sldIdLst>
   <p:sldSz cx="12192000" cy="6858000"/>
   <p:notesSz cx="6858000" cy="9144000"/>
@@ -120,7 +122,7 @@
 <file path=ppt/revisionInfo.xml><?xml version="1.0" encoding="utf-8"?>
 <p1510:revInfo xmlns:a="http://schemas.openxmlformats.org/drawingml/2006/main" xmlns:r="http://schemas.openxmlformats.org/officeDocument/2006/relationships" xmlns:p1510="http://schemas.microsoft.com/office/powerpoint/2015/10/main">
   <p1510:revLst>
-    <p1510:client id="{5BE649BA-3105-49D7-8981-B0CC2F6F3AB4}" v="1" dt="2022-12-22T08:45:30.526"/>
+    <p1510:client id="{5BE649BA-3105-49D7-8981-B0CC2F6F3AB4}" v="2" dt="2023-01-01T05:11:36.313"/>
   </p1510:revLst>
 </p1510:revInfo>
 </file>
@@ -130,12 +132,12 @@
   <pc:docChgLst>
     <pc:chgData name="Jerald Francis" userId="b43fd2132e0b1f8f" providerId="LiveId" clId="{5BE649BA-3105-49D7-8981-B0CC2F6F3AB4}"/>
     <pc:docChg chg="undo custSel addSld modSld">
-      <pc:chgData name="Jerald Francis" userId="b43fd2132e0b1f8f" providerId="LiveId" clId="{5BE649BA-3105-49D7-8981-B0CC2F6F3AB4}" dt="2022-12-26T11:36:48.413" v="1553" actId="14100"/>
+      <pc:chgData name="Jerald Francis" userId="b43fd2132e0b1f8f" providerId="LiveId" clId="{5BE649BA-3105-49D7-8981-B0CC2F6F3AB4}" dt="2023-01-07T04:13:17.429" v="2009" actId="6549"/>
       <pc:docMkLst>
         <pc:docMk/>
       </pc:docMkLst>
-      <pc:sldChg chg="modSp new mod">
-        <pc:chgData name="Jerald Francis" userId="b43fd2132e0b1f8f" providerId="LiveId" clId="{5BE649BA-3105-49D7-8981-B0CC2F6F3AB4}" dt="2022-12-23T08:01:47.325" v="1257" actId="20577"/>
+      <pc:sldChg chg="delSp modSp new mod">
+        <pc:chgData name="Jerald Francis" userId="b43fd2132e0b1f8f" providerId="LiveId" clId="{5BE649BA-3105-49D7-8981-B0CC2F6F3AB4}" dt="2023-01-01T03:36:49.949" v="1590" actId="478"/>
         <pc:sldMkLst>
           <pc:docMk/>
           <pc:sldMk cId="1612521022" sldId="256"/>
@@ -148,9 +150,17 @@
             <ac:spMk id="2" creationId="{80038A34-9C9C-504B-EE2D-3572775A5B2E}"/>
           </ac:spMkLst>
         </pc:spChg>
+        <pc:spChg chg="del">
+          <ac:chgData name="Jerald Francis" userId="b43fd2132e0b1f8f" providerId="LiveId" clId="{5BE649BA-3105-49D7-8981-B0CC2F6F3AB4}" dt="2023-01-01T03:36:49.949" v="1590" actId="478"/>
+          <ac:spMkLst>
+            <pc:docMk/>
+            <pc:sldMk cId="1612521022" sldId="256"/>
+            <ac:spMk id="3" creationId="{1F2A7758-9181-4791-8EFA-048CF1670620}"/>
+          </ac:spMkLst>
+        </pc:spChg>
       </pc:sldChg>
-      <pc:sldChg chg="modSp new mod">
-        <pc:chgData name="Jerald Francis" userId="b43fd2132e0b1f8f" providerId="LiveId" clId="{5BE649BA-3105-49D7-8981-B0CC2F6F3AB4}" dt="2022-12-22T13:13:35.926" v="524" actId="20577"/>
+      <pc:sldChg chg="addSp modSp new mod">
+        <pc:chgData name="Jerald Francis" userId="b43fd2132e0b1f8f" providerId="LiveId" clId="{5BE649BA-3105-49D7-8981-B0CC2F6F3AB4}" dt="2023-01-07T04:00:45.225" v="1928" actId="1076"/>
         <pc:sldMkLst>
           <pc:docMk/>
           <pc:sldMk cId="150694853" sldId="257"/>
@@ -164,13 +174,21 @@
           </ac:spMkLst>
         </pc:spChg>
         <pc:spChg chg="mod">
-          <ac:chgData name="Jerald Francis" userId="b43fd2132e0b1f8f" providerId="LiveId" clId="{5BE649BA-3105-49D7-8981-B0CC2F6F3AB4}" dt="2022-12-22T13:13:35.926" v="524" actId="20577"/>
+          <ac:chgData name="Jerald Francis" userId="b43fd2132e0b1f8f" providerId="LiveId" clId="{5BE649BA-3105-49D7-8981-B0CC2F6F3AB4}" dt="2023-01-07T04:00:40.552" v="1927" actId="5793"/>
           <ac:spMkLst>
             <pc:docMk/>
             <pc:sldMk cId="150694853" sldId="257"/>
             <ac:spMk id="3" creationId="{4CD93C87-D321-3E65-46A4-8DC369CBC4C2}"/>
           </ac:spMkLst>
         </pc:spChg>
+        <pc:picChg chg="add mod">
+          <ac:chgData name="Jerald Francis" userId="b43fd2132e0b1f8f" providerId="LiveId" clId="{5BE649BA-3105-49D7-8981-B0CC2F6F3AB4}" dt="2023-01-07T04:00:45.225" v="1928" actId="1076"/>
+          <ac:picMkLst>
+            <pc:docMk/>
+            <pc:sldMk cId="150694853" sldId="257"/>
+            <ac:picMk id="5" creationId="{73F10DA5-91AD-874D-EAC1-34467F0E56EE}"/>
+          </ac:picMkLst>
+        </pc:picChg>
       </pc:sldChg>
       <pc:sldChg chg="addSp modSp new mod">
         <pc:chgData name="Jerald Francis" userId="b43fd2132e0b1f8f" providerId="LiveId" clId="{5BE649BA-3105-49D7-8981-B0CC2F6F3AB4}" dt="2022-12-22T13:41:42.096" v="999" actId="20577"/>
@@ -203,8 +221,8 @@
           </ac:picMkLst>
         </pc:picChg>
       </pc:sldChg>
-      <pc:sldChg chg="addSp modSp new mod">
-        <pc:chgData name="Jerald Francis" userId="b43fd2132e0b1f8f" providerId="LiveId" clId="{5BE649BA-3105-49D7-8981-B0CC2F6F3AB4}" dt="2022-12-26T11:36:48.413" v="1553" actId="14100"/>
+      <pc:sldChg chg="addSp delSp modSp new mod">
+        <pc:chgData name="Jerald Francis" userId="b43fd2132e0b1f8f" providerId="LiveId" clId="{5BE649BA-3105-49D7-8981-B0CC2F6F3AB4}" dt="2022-12-27T14:35:30.082" v="1575" actId="20577"/>
         <pc:sldMkLst>
           <pc:docMk/>
           <pc:sldMk cId="380773011" sldId="259"/>
@@ -218,15 +236,15 @@
           </ac:spMkLst>
         </pc:spChg>
         <pc:spChg chg="mod">
-          <ac:chgData name="Jerald Francis" userId="b43fd2132e0b1f8f" providerId="LiveId" clId="{5BE649BA-3105-49D7-8981-B0CC2F6F3AB4}" dt="2022-12-26T11:35:16.217" v="1548" actId="20577"/>
+          <ac:chgData name="Jerald Francis" userId="b43fd2132e0b1f8f" providerId="LiveId" clId="{5BE649BA-3105-49D7-8981-B0CC2F6F3AB4}" dt="2022-12-27T14:35:30.082" v="1575" actId="20577"/>
           <ac:spMkLst>
             <pc:docMk/>
             <pc:sldMk cId="380773011" sldId="259"/>
             <ac:spMk id="3" creationId="{8B574EC0-B6AE-7B31-DC38-2481FE127E32}"/>
           </ac:spMkLst>
         </pc:spChg>
-        <pc:picChg chg="add mod">
-          <ac:chgData name="Jerald Francis" userId="b43fd2132e0b1f8f" providerId="LiveId" clId="{5BE649BA-3105-49D7-8981-B0CC2F6F3AB4}" dt="2022-12-26T11:36:48.413" v="1553" actId="14100"/>
+        <pc:picChg chg="add del mod">
+          <ac:chgData name="Jerald Francis" userId="b43fd2132e0b1f8f" providerId="LiveId" clId="{5BE649BA-3105-49D7-8981-B0CC2F6F3AB4}" dt="2022-12-27T14:11:19.671" v="1554" actId="478"/>
           <ac:picMkLst>
             <pc:docMk/>
             <pc:sldMk cId="380773011" sldId="259"/>
@@ -265,8 +283,8 @@
           </ac:picMkLst>
         </pc:picChg>
       </pc:sldChg>
-      <pc:sldChg chg="modSp new mod">
-        <pc:chgData name="Jerald Francis" userId="b43fd2132e0b1f8f" providerId="LiveId" clId="{5BE649BA-3105-49D7-8981-B0CC2F6F3AB4}" dt="2022-12-23T08:06:32.730" v="1317" actId="20577"/>
+      <pc:sldChg chg="addSp delSp modSp new mod">
+        <pc:chgData name="Jerald Francis" userId="b43fd2132e0b1f8f" providerId="LiveId" clId="{5BE649BA-3105-49D7-8981-B0CC2F6F3AB4}" dt="2023-01-07T04:13:17.429" v="2009" actId="6549"/>
         <pc:sldMkLst>
           <pc:docMk/>
           <pc:sldMk cId="4157093215" sldId="261"/>
@@ -279,6 +297,148 @@
             <ac:spMk id="2" creationId="{E8CB0A6A-4EF8-4307-F1B1-4822FB1275A4}"/>
           </ac:spMkLst>
         </pc:spChg>
+        <pc:spChg chg="mod">
+          <ac:chgData name="Jerald Francis" userId="b43fd2132e0b1f8f" providerId="LiveId" clId="{5BE649BA-3105-49D7-8981-B0CC2F6F3AB4}" dt="2023-01-07T04:13:17.429" v="2009" actId="6549"/>
+          <ac:spMkLst>
+            <pc:docMk/>
+            <pc:sldMk cId="4157093215" sldId="261"/>
+            <ac:spMk id="3" creationId="{82D15311-2764-BCF6-4570-55424E9A9E42}"/>
+          </ac:spMkLst>
+        </pc:spChg>
+        <pc:picChg chg="add del mod">
+          <ac:chgData name="Jerald Francis" userId="b43fd2132e0b1f8f" providerId="LiveId" clId="{5BE649BA-3105-49D7-8981-B0CC2F6F3AB4}" dt="2023-01-01T05:12:32.090" v="1681" actId="478"/>
+          <ac:picMkLst>
+            <pc:docMk/>
+            <pc:sldMk cId="4157093215" sldId="261"/>
+            <ac:picMk id="5" creationId="{2AF0DE0B-DD20-1EA6-9C01-26E6E97C8A52}"/>
+          </ac:picMkLst>
+        </pc:picChg>
+        <pc:picChg chg="add mod">
+          <ac:chgData name="Jerald Francis" userId="b43fd2132e0b1f8f" providerId="LiveId" clId="{5BE649BA-3105-49D7-8981-B0CC2F6F3AB4}" dt="2023-01-01T05:10:13.326" v="1667" actId="1076"/>
+          <ac:picMkLst>
+            <pc:docMk/>
+            <pc:sldMk cId="4157093215" sldId="261"/>
+            <ac:picMk id="7" creationId="{E8F9CB7B-14E6-9574-519A-6EC5438BC9A8}"/>
+          </ac:picMkLst>
+        </pc:picChg>
+        <pc:picChg chg="add mod">
+          <ac:chgData name="Jerald Francis" userId="b43fd2132e0b1f8f" providerId="LiveId" clId="{5BE649BA-3105-49D7-8981-B0CC2F6F3AB4}" dt="2023-01-01T05:10:54.912" v="1669" actId="1076"/>
+          <ac:picMkLst>
+            <pc:docMk/>
+            <pc:sldMk cId="4157093215" sldId="261"/>
+            <ac:picMk id="9" creationId="{DAD69523-02E3-506E-1993-2AB4E7B544F3}"/>
+          </ac:picMkLst>
+        </pc:picChg>
+        <pc:picChg chg="add mod">
+          <ac:chgData name="Jerald Francis" userId="b43fd2132e0b1f8f" providerId="LiveId" clId="{5BE649BA-3105-49D7-8981-B0CC2F6F3AB4}" dt="2023-01-07T04:12:52.259" v="2000" actId="1076"/>
+          <ac:picMkLst>
+            <pc:docMk/>
+            <pc:sldMk cId="4157093215" sldId="261"/>
+            <ac:picMk id="16" creationId="{081DC130-2E6D-08E4-907A-09D34EB38E18}"/>
+          </ac:picMkLst>
+        </pc:picChg>
+        <pc:cxnChg chg="add mod">
+          <ac:chgData name="Jerald Francis" userId="b43fd2132e0b1f8f" providerId="LiveId" clId="{5BE649BA-3105-49D7-8981-B0CC2F6F3AB4}" dt="2023-01-01T05:11:18.149" v="1673" actId="14100"/>
+          <ac:cxnSpMkLst>
+            <pc:docMk/>
+            <pc:sldMk cId="4157093215" sldId="261"/>
+            <ac:cxnSpMk id="11" creationId="{2F467496-DF0D-8D9C-E9E1-571B4EF614E4}"/>
+          </ac:cxnSpMkLst>
+        </pc:cxnChg>
+        <pc:cxnChg chg="add mod">
+          <ac:chgData name="Jerald Francis" userId="b43fd2132e0b1f8f" providerId="LiveId" clId="{5BE649BA-3105-49D7-8981-B0CC2F6F3AB4}" dt="2023-01-01T05:11:39.508" v="1677" actId="1076"/>
+          <ac:cxnSpMkLst>
+            <pc:docMk/>
+            <pc:sldMk cId="4157093215" sldId="261"/>
+            <ac:cxnSpMk id="14" creationId="{8FAD1162-E594-55B7-C93F-D172B7544A3F}"/>
+          </ac:cxnSpMkLst>
+        </pc:cxnChg>
+      </pc:sldChg>
+      <pc:sldChg chg="addSp delSp modSp new mod">
+        <pc:chgData name="Jerald Francis" userId="b43fd2132e0b1f8f" providerId="LiveId" clId="{5BE649BA-3105-49D7-8981-B0CC2F6F3AB4}" dt="2022-12-28T13:07:45.407" v="1589" actId="1076"/>
+        <pc:sldMkLst>
+          <pc:docMk/>
+          <pc:sldMk cId="3881666553" sldId="262"/>
+        </pc:sldMkLst>
+        <pc:spChg chg="mod">
+          <ac:chgData name="Jerald Francis" userId="b43fd2132e0b1f8f" providerId="LiveId" clId="{5BE649BA-3105-49D7-8981-B0CC2F6F3AB4}" dt="2022-12-27T14:11:38.668" v="1564" actId="20577"/>
+          <ac:spMkLst>
+            <pc:docMk/>
+            <pc:sldMk cId="3881666553" sldId="262"/>
+            <ac:spMk id="2" creationId="{CD305A69-063B-889F-2663-158182243205}"/>
+          </ac:spMkLst>
+        </pc:spChg>
+        <pc:spChg chg="del">
+          <ac:chgData name="Jerald Francis" userId="b43fd2132e0b1f8f" providerId="LiveId" clId="{5BE649BA-3105-49D7-8981-B0CC2F6F3AB4}" dt="2022-12-27T14:11:28.059" v="1556" actId="22"/>
+          <ac:spMkLst>
+            <pc:docMk/>
+            <pc:sldMk cId="3881666553" sldId="262"/>
+            <ac:spMk id="3" creationId="{33570E50-DF28-CB72-FDBD-FB6D28797A61}"/>
+          </ac:spMkLst>
+        </pc:spChg>
+        <pc:picChg chg="add del mod">
+          <ac:chgData name="Jerald Francis" userId="b43fd2132e0b1f8f" providerId="LiveId" clId="{5BE649BA-3105-49D7-8981-B0CC2F6F3AB4}" dt="2022-12-28T13:05:41.800" v="1587" actId="21"/>
+          <ac:picMkLst>
+            <pc:docMk/>
+            <pc:sldMk cId="3881666553" sldId="262"/>
+            <ac:picMk id="4" creationId="{59834A14-DAF0-DEAA-5A29-58C8D90F8B53}"/>
+          </ac:picMkLst>
+        </pc:picChg>
+        <pc:picChg chg="add mod ord">
+          <ac:chgData name="Jerald Francis" userId="b43fd2132e0b1f8f" providerId="LiveId" clId="{5BE649BA-3105-49D7-8981-B0CC2F6F3AB4}" dt="2022-12-28T13:04:41.894" v="1581" actId="1076"/>
+          <ac:picMkLst>
+            <pc:docMk/>
+            <pc:sldMk cId="3881666553" sldId="262"/>
+            <ac:picMk id="5" creationId="{A5778FDA-3965-8D39-BE9D-7D9A200D1F7C}"/>
+          </ac:picMkLst>
+        </pc:picChg>
+        <pc:picChg chg="add mod">
+          <ac:chgData name="Jerald Francis" userId="b43fd2132e0b1f8f" providerId="LiveId" clId="{5BE649BA-3105-49D7-8981-B0CC2F6F3AB4}" dt="2022-12-28T13:07:45.407" v="1589" actId="1076"/>
+          <ac:picMkLst>
+            <pc:docMk/>
+            <pc:sldMk cId="3881666553" sldId="262"/>
+            <ac:picMk id="7" creationId="{17098CD0-6C9E-75F2-2BF6-B7EF56B517C9}"/>
+          </ac:picMkLst>
+        </pc:picChg>
+      </pc:sldChg>
+      <pc:sldChg chg="addSp delSp modSp new mod">
+        <pc:chgData name="Jerald Francis" userId="b43fd2132e0b1f8f" providerId="LiveId" clId="{5BE649BA-3105-49D7-8981-B0CC2F6F3AB4}" dt="2023-01-07T04:11:45.171" v="1999" actId="20577"/>
+        <pc:sldMkLst>
+          <pc:docMk/>
+          <pc:sldMk cId="3489051027" sldId="263"/>
+        </pc:sldMkLst>
+        <pc:spChg chg="mod">
+          <ac:chgData name="Jerald Francis" userId="b43fd2132e0b1f8f" providerId="LiveId" clId="{5BE649BA-3105-49D7-8981-B0CC2F6F3AB4}" dt="2023-01-07T03:59:35.885" v="1900" actId="20577"/>
+          <ac:spMkLst>
+            <pc:docMk/>
+            <pc:sldMk cId="3489051027" sldId="263"/>
+            <ac:spMk id="2" creationId="{815C415B-C530-E85A-4B71-CDB95E80074C}"/>
+          </ac:spMkLst>
+        </pc:spChg>
+        <pc:spChg chg="mod">
+          <ac:chgData name="Jerald Francis" userId="b43fd2132e0b1f8f" providerId="LiveId" clId="{5BE649BA-3105-49D7-8981-B0CC2F6F3AB4}" dt="2023-01-07T04:11:45.171" v="1999" actId="20577"/>
+          <ac:spMkLst>
+            <pc:docMk/>
+            <pc:sldMk cId="3489051027" sldId="263"/>
+            <ac:spMk id="3" creationId="{9F0432E0-9DEB-F477-52D5-050FD55B57C6}"/>
+          </ac:spMkLst>
+        </pc:spChg>
+        <pc:picChg chg="add del mod">
+          <ac:chgData name="Jerald Francis" userId="b43fd2132e0b1f8f" providerId="LiveId" clId="{5BE649BA-3105-49D7-8981-B0CC2F6F3AB4}" dt="2023-01-07T04:11:03.604" v="1958" actId="478"/>
+          <ac:picMkLst>
+            <pc:docMk/>
+            <pc:sldMk cId="3489051027" sldId="263"/>
+            <ac:picMk id="5" creationId="{BA1CE0AA-2827-69FE-590A-E1EB8805A72D}"/>
+          </ac:picMkLst>
+        </pc:picChg>
+        <pc:picChg chg="add mod">
+          <ac:chgData name="Jerald Francis" userId="b43fd2132e0b1f8f" providerId="LiveId" clId="{5BE649BA-3105-49D7-8981-B0CC2F6F3AB4}" dt="2023-01-07T04:11:22.935" v="1964" actId="14100"/>
+          <ac:picMkLst>
+            <pc:docMk/>
+            <pc:sldMk cId="3489051027" sldId="263"/>
+            <ac:picMk id="7" creationId="{83F2149E-75D2-54FB-D634-E32DAFC50A40}"/>
+          </ac:picMkLst>
+        </pc:picChg>
       </pc:sldChg>
     </pc:docChg>
   </pc:docChgLst>
@@ -434,7 +594,7 @@
           <a:p>
             <a:fld id="{FAC03EBC-81A6-4823-BD8A-06F42D6E24F5}" type="datetimeFigureOut">
               <a:rPr lang="en-IN" smtClean="0"/>
-              <a:t>26-12-2022</a:t>
+              <a:t>07-01-2023</a:t>
             </a:fld>
             <a:endParaRPr lang="en-IN"/>
           </a:p>
@@ -634,7 +794,7 @@
           <a:p>
             <a:fld id="{FAC03EBC-81A6-4823-BD8A-06F42D6E24F5}" type="datetimeFigureOut">
               <a:rPr lang="en-IN" smtClean="0"/>
-              <a:t>26-12-2022</a:t>
+              <a:t>07-01-2023</a:t>
             </a:fld>
             <a:endParaRPr lang="en-IN"/>
           </a:p>
@@ -844,7 +1004,7 @@
           <a:p>
             <a:fld id="{FAC03EBC-81A6-4823-BD8A-06F42D6E24F5}" type="datetimeFigureOut">
               <a:rPr lang="en-IN" smtClean="0"/>
-              <a:t>26-12-2022</a:t>
+              <a:t>07-01-2023</a:t>
             </a:fld>
             <a:endParaRPr lang="en-IN"/>
           </a:p>
@@ -1044,7 +1204,7 @@
           <a:p>
             <a:fld id="{FAC03EBC-81A6-4823-BD8A-06F42D6E24F5}" type="datetimeFigureOut">
               <a:rPr lang="en-IN" smtClean="0"/>
-              <a:t>26-12-2022</a:t>
+              <a:t>07-01-2023</a:t>
             </a:fld>
             <a:endParaRPr lang="en-IN"/>
           </a:p>
@@ -1320,7 +1480,7 @@
           <a:p>
             <a:fld id="{FAC03EBC-81A6-4823-BD8A-06F42D6E24F5}" type="datetimeFigureOut">
               <a:rPr lang="en-IN" smtClean="0"/>
-              <a:t>26-12-2022</a:t>
+              <a:t>07-01-2023</a:t>
             </a:fld>
             <a:endParaRPr lang="en-IN"/>
           </a:p>
@@ -1588,7 +1748,7 @@
           <a:p>
             <a:fld id="{FAC03EBC-81A6-4823-BD8A-06F42D6E24F5}" type="datetimeFigureOut">
               <a:rPr lang="en-IN" smtClean="0"/>
-              <a:t>26-12-2022</a:t>
+              <a:t>07-01-2023</a:t>
             </a:fld>
             <a:endParaRPr lang="en-IN"/>
           </a:p>
@@ -2003,7 +2163,7 @@
           <a:p>
             <a:fld id="{FAC03EBC-81A6-4823-BD8A-06F42D6E24F5}" type="datetimeFigureOut">
               <a:rPr lang="en-IN" smtClean="0"/>
-              <a:t>26-12-2022</a:t>
+              <a:t>07-01-2023</a:t>
             </a:fld>
             <a:endParaRPr lang="en-IN"/>
           </a:p>
@@ -2145,7 +2305,7 @@
           <a:p>
             <a:fld id="{FAC03EBC-81A6-4823-BD8A-06F42D6E24F5}" type="datetimeFigureOut">
               <a:rPr lang="en-IN" smtClean="0"/>
-              <a:t>26-12-2022</a:t>
+              <a:t>07-01-2023</a:t>
             </a:fld>
             <a:endParaRPr lang="en-IN"/>
           </a:p>
@@ -2258,7 +2418,7 @@
           <a:p>
             <a:fld id="{FAC03EBC-81A6-4823-BD8A-06F42D6E24F5}" type="datetimeFigureOut">
               <a:rPr lang="en-IN" smtClean="0"/>
-              <a:t>26-12-2022</a:t>
+              <a:t>07-01-2023</a:t>
             </a:fld>
             <a:endParaRPr lang="en-IN"/>
           </a:p>
@@ -2571,7 +2731,7 @@
           <a:p>
             <a:fld id="{FAC03EBC-81A6-4823-BD8A-06F42D6E24F5}" type="datetimeFigureOut">
               <a:rPr lang="en-IN" smtClean="0"/>
-              <a:t>26-12-2022</a:t>
+              <a:t>07-01-2023</a:t>
             </a:fld>
             <a:endParaRPr lang="en-IN"/>
           </a:p>
@@ -2860,7 +3020,7 @@
           <a:p>
             <a:fld id="{FAC03EBC-81A6-4823-BD8A-06F42D6E24F5}" type="datetimeFigureOut">
               <a:rPr lang="en-IN" smtClean="0"/>
-              <a:t>26-12-2022</a:t>
+              <a:t>07-01-2023</a:t>
             </a:fld>
             <a:endParaRPr lang="en-IN"/>
           </a:p>
@@ -3103,7 +3263,7 @@
           <a:p>
             <a:fld id="{FAC03EBC-81A6-4823-BD8A-06F42D6E24F5}" type="datetimeFigureOut">
               <a:rPr lang="en-IN" smtClean="0"/>
-              <a:t>26-12-2022</a:t>
+              <a:t>07-01-2023</a:t>
             </a:fld>
             <a:endParaRPr lang="en-IN"/>
           </a:p>
@@ -3549,31 +3709,6 @@
           </a:p>
         </p:txBody>
       </p:sp>
-      <p:sp>
-        <p:nvSpPr>
-          <p:cNvPr id="3" name="Subtitle 2">
-            <a:extLst>
-              <a:ext uri="{FF2B5EF4-FFF2-40B4-BE49-F238E27FC236}">
-                <a16:creationId xmlns:a16="http://schemas.microsoft.com/office/drawing/2014/main" id="{1F2A7758-9181-4791-8EFA-048CF1670620}"/>
-              </a:ext>
-            </a:extLst>
-          </p:cNvPr>
-          <p:cNvSpPr>
-            <a:spLocks noGrp="1"/>
-          </p:cNvSpPr>
-          <p:nvPr>
-            <p:ph type="subTitle" idx="1"/>
-          </p:nvPr>
-        </p:nvSpPr>
-        <p:spPr/>
-        <p:txBody>
-          <a:bodyPr/>
-          <a:lstStyle/>
-          <a:p>
-            <a:endParaRPr lang="en-IN" dirty="0"/>
-          </a:p>
-        </p:txBody>
-      </p:sp>
     </p:spTree>
     <p:extLst>
       <p:ext uri="{BB962C8B-B14F-4D97-AF65-F5344CB8AC3E}">
@@ -3843,15 +3978,20 @@
             <a:pPr lvl="1"/>
             <a:r>
               <a:rPr lang="en-US" dirty="0"/>
-              <a:t>GIT repository hosting service, its an online database that allows to keep track of the changes from you and other from any part of the world.</a:t>
+              <a:t>GIT repository hosting service, its an online database that allows to keep track of the changes from you or other changes from any part of the world.</a:t>
             </a:r>
           </a:p>
           <a:p>
             <a:pPr lvl="1"/>
             <a:r>
               <a:rPr lang="en-US" dirty="0"/>
-              <a:t>Repository is usually used to organize a single project. Repository can contain folders and files, images, videos, spreadsheets and data sets</a:t>
-            </a:r>
+              <a:t>Repository is usually used to organize a single project. Repository can contain folders and files, images, videos, spreadsheets and </a:t>
+            </a:r>
+            <a:r>
+              <a:rPr lang="en-US"/>
+              <a:t>data sets.</a:t>
+            </a:r>
+            <a:endParaRPr lang="en-US" dirty="0"/>
           </a:p>
           <a:p>
             <a:pPr marL="457200" lvl="1" indent="0">
@@ -3865,36 +4005,6 @@
           </a:p>
         </p:txBody>
       </p:sp>
-      <p:pic>
-        <p:nvPicPr>
-          <p:cNvPr id="5" name="Picture 4">
-            <a:extLst>
-              <a:ext uri="{FF2B5EF4-FFF2-40B4-BE49-F238E27FC236}">
-                <a16:creationId xmlns:a16="http://schemas.microsoft.com/office/drawing/2014/main" id="{4A224526-9B78-C47B-3C9B-49455A9207CD}"/>
-              </a:ext>
-            </a:extLst>
-          </p:cNvPr>
-          <p:cNvPicPr>
-            <a:picLocks noChangeAspect="1"/>
-          </p:cNvPicPr>
-          <p:nvPr/>
-        </p:nvPicPr>
-        <p:blipFill>
-          <a:blip r:embed="rId2"/>
-          <a:stretch>
-            <a:fillRect/>
-          </a:stretch>
-        </p:blipFill>
-        <p:spPr>
-          <a:xfrm>
-            <a:off x="1153886" y="4044837"/>
-            <a:ext cx="9339943" cy="1866106"/>
-          </a:xfrm>
-          <a:prstGeom prst="rect">
-            <a:avLst/>
-          </a:prstGeom>
-        </p:spPr>
-      </p:pic>
     </p:spTree>
     <p:extLst>
       <p:ext uri="{BB962C8B-B14F-4D97-AF65-F5344CB8AC3E}">
@@ -3909,6 +4019,124 @@
 </file>
 
 <file path=ppt/slides/slide4.xml><?xml version="1.0" encoding="utf-8"?>
+<p:sld xmlns:a="http://schemas.openxmlformats.org/drawingml/2006/main" xmlns:r="http://schemas.openxmlformats.org/officeDocument/2006/relationships" xmlns:p="http://schemas.openxmlformats.org/presentationml/2006/main">
+  <p:cSld>
+    <p:spTree>
+      <p:nvGrpSpPr>
+        <p:cNvPr id="1" name=""/>
+        <p:cNvGrpSpPr/>
+        <p:nvPr/>
+      </p:nvGrpSpPr>
+      <p:grpSpPr>
+        <a:xfrm>
+          <a:off x="0" y="0"/>
+          <a:ext cx="0" cy="0"/>
+          <a:chOff x="0" y="0"/>
+          <a:chExt cx="0" cy="0"/>
+        </a:xfrm>
+      </p:grpSpPr>
+      <p:sp>
+        <p:nvSpPr>
+          <p:cNvPr id="2" name="Title 1">
+            <a:extLst>
+              <a:ext uri="{FF2B5EF4-FFF2-40B4-BE49-F238E27FC236}">
+                <a16:creationId xmlns:a16="http://schemas.microsoft.com/office/drawing/2014/main" id="{CD305A69-063B-889F-2663-158182243205}"/>
+              </a:ext>
+            </a:extLst>
+          </p:cNvPr>
+          <p:cNvSpPr>
+            <a:spLocks noGrp="1"/>
+          </p:cNvSpPr>
+          <p:nvPr>
+            <p:ph type="title"/>
+          </p:nvPr>
+        </p:nvSpPr>
+        <p:spPr/>
+        <p:txBody>
+          <a:bodyPr/>
+          <a:lstStyle/>
+          <a:p>
+            <a:r>
+              <a:rPr lang="en-US" dirty="0"/>
+              <a:t>Git Flow</a:t>
+            </a:r>
+            <a:endParaRPr lang="en-IN" dirty="0"/>
+          </a:p>
+        </p:txBody>
+      </p:sp>
+      <p:pic>
+        <p:nvPicPr>
+          <p:cNvPr id="5" name="Content Placeholder 4">
+            <a:extLst>
+              <a:ext uri="{FF2B5EF4-FFF2-40B4-BE49-F238E27FC236}">
+                <a16:creationId xmlns:a16="http://schemas.microsoft.com/office/drawing/2014/main" id="{A5778FDA-3965-8D39-BE9D-7D9A200D1F7C}"/>
+              </a:ext>
+            </a:extLst>
+          </p:cNvPr>
+          <p:cNvPicPr>
+            <a:picLocks noGrp="1" noChangeAspect="1"/>
+          </p:cNvPicPr>
+          <p:nvPr>
+            <p:ph idx="1"/>
+          </p:nvPr>
+        </p:nvPicPr>
+        <p:blipFill>
+          <a:blip r:embed="rId2"/>
+          <a:stretch>
+            <a:fillRect/>
+          </a:stretch>
+        </p:blipFill>
+        <p:spPr>
+          <a:xfrm>
+            <a:off x="184680" y="1915885"/>
+            <a:ext cx="6020178" cy="3026229"/>
+          </a:xfrm>
+        </p:spPr>
+      </p:pic>
+      <p:pic>
+        <p:nvPicPr>
+          <p:cNvPr id="7" name="Picture 6">
+            <a:extLst>
+              <a:ext uri="{FF2B5EF4-FFF2-40B4-BE49-F238E27FC236}">
+                <a16:creationId xmlns:a16="http://schemas.microsoft.com/office/drawing/2014/main" id="{17098CD0-6C9E-75F2-2BF6-B7EF56B517C9}"/>
+              </a:ext>
+            </a:extLst>
+          </p:cNvPr>
+          <p:cNvPicPr>
+            <a:picLocks noChangeAspect="1"/>
+          </p:cNvPicPr>
+          <p:nvPr/>
+        </p:nvPicPr>
+        <p:blipFill>
+          <a:blip r:embed="rId3"/>
+          <a:stretch>
+            <a:fillRect/>
+          </a:stretch>
+        </p:blipFill>
+        <p:spPr>
+          <a:xfrm>
+            <a:off x="6549495" y="2094138"/>
+            <a:ext cx="5457825" cy="2924175"/>
+          </a:xfrm>
+          <a:prstGeom prst="rect">
+            <a:avLst/>
+          </a:prstGeom>
+        </p:spPr>
+      </p:pic>
+    </p:spTree>
+    <p:extLst>
+      <p:ext uri="{BB962C8B-B14F-4D97-AF65-F5344CB8AC3E}">
+        <p14:creationId xmlns:p14="http://schemas.microsoft.com/office/powerpoint/2010/main" val="3881666553"/>
+      </p:ext>
+    </p:extLst>
+  </p:cSld>
+  <p:clrMapOvr>
+    <a:masterClrMapping/>
+  </p:clrMapOvr>
+</p:sld>
+</file>
+
+<file path=ppt/slides/slide5.xml><?xml version="1.0" encoding="utf-8"?>
 <p:sld xmlns:a="http://schemas.openxmlformats.org/drawingml/2006/main" xmlns:r="http://schemas.openxmlformats.org/officeDocument/2006/relationships" xmlns:p="http://schemas.openxmlformats.org/presentationml/2006/main">
   <p:cSld>
     <p:spTree>
@@ -4038,176 +4266,6 @@
 </p:sld>
 </file>
 
-<file path=ppt/slides/slide5.xml><?xml version="1.0" encoding="utf-8"?>
-<p:sld xmlns:a="http://schemas.openxmlformats.org/drawingml/2006/main" xmlns:r="http://schemas.openxmlformats.org/officeDocument/2006/relationships" xmlns:p="http://schemas.openxmlformats.org/presentationml/2006/main">
-  <p:cSld>
-    <p:spTree>
-      <p:nvGrpSpPr>
-        <p:cNvPr id="1" name=""/>
-        <p:cNvGrpSpPr/>
-        <p:nvPr/>
-      </p:nvGrpSpPr>
-      <p:grpSpPr>
-        <a:xfrm>
-          <a:off x="0" y="0"/>
-          <a:ext cx="0" cy="0"/>
-          <a:chOff x="0" y="0"/>
-          <a:chExt cx="0" cy="0"/>
-        </a:xfrm>
-      </p:grpSpPr>
-      <p:sp>
-        <p:nvSpPr>
-          <p:cNvPr id="2" name="Title 1">
-            <a:extLst>
-              <a:ext uri="{FF2B5EF4-FFF2-40B4-BE49-F238E27FC236}">
-                <a16:creationId xmlns:a16="http://schemas.microsoft.com/office/drawing/2014/main" id="{A3CE06EC-8990-B265-3584-440860F1F892}"/>
-              </a:ext>
-            </a:extLst>
-          </p:cNvPr>
-          <p:cNvSpPr>
-            <a:spLocks noGrp="1"/>
-          </p:cNvSpPr>
-          <p:nvPr>
-            <p:ph type="title"/>
-          </p:nvPr>
-        </p:nvSpPr>
-        <p:spPr/>
-        <p:txBody>
-          <a:bodyPr/>
-          <a:lstStyle/>
-          <a:p>
-            <a:r>
-              <a:rPr lang="en-US" dirty="0"/>
-              <a:t>Download – GIT version control tool</a:t>
-            </a:r>
-            <a:endParaRPr lang="en-IN" dirty="0"/>
-          </a:p>
-        </p:txBody>
-      </p:sp>
-      <p:sp>
-        <p:nvSpPr>
-          <p:cNvPr id="3" name="Content Placeholder 2">
-            <a:extLst>
-              <a:ext uri="{FF2B5EF4-FFF2-40B4-BE49-F238E27FC236}">
-                <a16:creationId xmlns:a16="http://schemas.microsoft.com/office/drawing/2014/main" id="{4CD93C87-D321-3E65-46A4-8DC369CBC4C2}"/>
-              </a:ext>
-            </a:extLst>
-          </p:cNvPr>
-          <p:cNvSpPr>
-            <a:spLocks noGrp="1"/>
-          </p:cNvSpPr>
-          <p:nvPr>
-            <p:ph idx="1"/>
-          </p:nvPr>
-        </p:nvSpPr>
-        <p:spPr/>
-        <p:txBody>
-          <a:bodyPr/>
-          <a:lstStyle/>
-          <a:p>
-            <a:r>
-              <a:rPr lang="en-US" dirty="0"/>
-              <a:t>Git version control tool to maintain the GIT version.</a:t>
-            </a:r>
-          </a:p>
-          <a:p>
-            <a:r>
-              <a:rPr lang="en-US" dirty="0"/>
-              <a:t>Link -&gt; </a:t>
-            </a:r>
-            <a:r>
-              <a:rPr lang="en-US" dirty="0">
-                <a:hlinkClick r:id="rId2"/>
-              </a:rPr>
-              <a:t>https://git-scm.com/download/win</a:t>
-            </a:r>
-            <a:endParaRPr lang="en-US" dirty="0"/>
-          </a:p>
-          <a:p>
-            <a:r>
-              <a:rPr lang="en-US" dirty="0"/>
-              <a:t>Once installed, to check the version,</a:t>
-            </a:r>
-          </a:p>
-          <a:p>
-            <a:pPr lvl="1"/>
-            <a:r>
-              <a:rPr lang="en-US" dirty="0"/>
-              <a:t>In the CMD prompt, type &gt; git –version</a:t>
-            </a:r>
-          </a:p>
-          <a:p>
-            <a:r>
-              <a:rPr lang="en-US" dirty="0"/>
-              <a:t>Different commands GIT, to push the codes in the repository.</a:t>
-            </a:r>
-          </a:p>
-          <a:p>
-            <a:pPr lvl="1"/>
-            <a:r>
-              <a:rPr lang="en-US" dirty="0"/>
-              <a:t>git </a:t>
-            </a:r>
-            <a:r>
-              <a:rPr lang="en-US" dirty="0" err="1"/>
-              <a:t>init</a:t>
-            </a:r>
-            <a:r>
-              <a:rPr lang="en-US" dirty="0"/>
-              <a:t> - To create new Git repository</a:t>
-            </a:r>
-          </a:p>
-          <a:p>
-            <a:pPr lvl="1"/>
-            <a:r>
-              <a:rPr lang="en-US" dirty="0"/>
-              <a:t>git add – To add the code in the branch</a:t>
-            </a:r>
-          </a:p>
-          <a:p>
-            <a:pPr lvl="1"/>
-            <a:r>
-              <a:rPr lang="en-US" dirty="0"/>
-              <a:t>git commit – To commit the changes</a:t>
-            </a:r>
-          </a:p>
-          <a:p>
-            <a:pPr lvl="1"/>
-            <a:r>
-              <a:rPr lang="en-US" dirty="0"/>
-              <a:t>git push – Push the code to repository</a:t>
-            </a:r>
-          </a:p>
-          <a:p>
-            <a:pPr lvl="1"/>
-            <a:endParaRPr lang="en-US" dirty="0"/>
-          </a:p>
-          <a:p>
-            <a:pPr lvl="1"/>
-            <a:endParaRPr lang="en-US" dirty="0"/>
-          </a:p>
-          <a:p>
-            <a:pPr lvl="1"/>
-            <a:endParaRPr lang="en-US" dirty="0"/>
-          </a:p>
-          <a:p>
-            <a:endParaRPr lang="en-IN" dirty="0"/>
-          </a:p>
-        </p:txBody>
-      </p:sp>
-    </p:spTree>
-    <p:extLst>
-      <p:ext uri="{BB962C8B-B14F-4D97-AF65-F5344CB8AC3E}">
-        <p14:creationId xmlns:p14="http://schemas.microsoft.com/office/powerpoint/2010/main" val="150694853"/>
-      </p:ext>
-    </p:extLst>
-  </p:cSld>
-  <p:clrMapOvr>
-    <a:masterClrMapping/>
-  </p:clrMapOvr>
-</p:sld>
-</file>
-
 <file path=ppt/slides/slide6.xml><?xml version="1.0" encoding="utf-8"?>
 <p:sld xmlns:a="http://schemas.openxmlformats.org/drawingml/2006/main" xmlns:r="http://schemas.openxmlformats.org/officeDocument/2006/relationships" xmlns:p="http://schemas.openxmlformats.org/presentationml/2006/main">
   <p:cSld>
@@ -4230,6 +4288,352 @@
           <p:cNvPr id="2" name="Title 1">
             <a:extLst>
               <a:ext uri="{FF2B5EF4-FFF2-40B4-BE49-F238E27FC236}">
+                <a16:creationId xmlns:a16="http://schemas.microsoft.com/office/drawing/2014/main" id="{A3CE06EC-8990-B265-3584-440860F1F892}"/>
+              </a:ext>
+            </a:extLst>
+          </p:cNvPr>
+          <p:cNvSpPr>
+            <a:spLocks noGrp="1"/>
+          </p:cNvSpPr>
+          <p:nvPr>
+            <p:ph type="title"/>
+          </p:nvPr>
+        </p:nvSpPr>
+        <p:spPr/>
+        <p:txBody>
+          <a:bodyPr/>
+          <a:lstStyle/>
+          <a:p>
+            <a:r>
+              <a:rPr lang="en-US" dirty="0"/>
+              <a:t>Download – GIT version control tool</a:t>
+            </a:r>
+            <a:endParaRPr lang="en-IN" dirty="0"/>
+          </a:p>
+        </p:txBody>
+      </p:sp>
+      <p:sp>
+        <p:nvSpPr>
+          <p:cNvPr id="3" name="Content Placeholder 2">
+            <a:extLst>
+              <a:ext uri="{FF2B5EF4-FFF2-40B4-BE49-F238E27FC236}">
+                <a16:creationId xmlns:a16="http://schemas.microsoft.com/office/drawing/2014/main" id="{4CD93C87-D321-3E65-46A4-8DC369CBC4C2}"/>
+              </a:ext>
+            </a:extLst>
+          </p:cNvPr>
+          <p:cNvSpPr>
+            <a:spLocks noGrp="1"/>
+          </p:cNvSpPr>
+          <p:nvPr>
+            <p:ph idx="1"/>
+          </p:nvPr>
+        </p:nvSpPr>
+        <p:spPr/>
+        <p:txBody>
+          <a:bodyPr>
+            <a:normAutofit/>
+          </a:bodyPr>
+          <a:lstStyle/>
+          <a:p>
+            <a:r>
+              <a:rPr lang="en-US" dirty="0"/>
+              <a:t>Git version control tool to maintain the GIT version.</a:t>
+            </a:r>
+          </a:p>
+          <a:p>
+            <a:r>
+              <a:rPr lang="en-US" dirty="0"/>
+              <a:t>Link -&gt; </a:t>
+            </a:r>
+            <a:r>
+              <a:rPr lang="en-US" dirty="0">
+                <a:hlinkClick r:id="rId2"/>
+              </a:rPr>
+              <a:t>https://git-scm.com/download/win</a:t>
+            </a:r>
+            <a:endParaRPr lang="en-US" dirty="0"/>
+          </a:p>
+          <a:p>
+            <a:r>
+              <a:rPr lang="en-US" dirty="0"/>
+              <a:t>Once installed, to check the version,</a:t>
+            </a:r>
+          </a:p>
+          <a:p>
+            <a:pPr lvl="1"/>
+            <a:r>
+              <a:rPr lang="en-US" dirty="0"/>
+              <a:t>In the CMD prompt, type &gt; git –version</a:t>
+            </a:r>
+          </a:p>
+          <a:p>
+            <a:pPr marL="457200" lvl="1" indent="0">
+              <a:buNone/>
+            </a:pPr>
+            <a:endParaRPr lang="en-US" dirty="0"/>
+          </a:p>
+          <a:p>
+            <a:pPr marL="457200" lvl="1" indent="0">
+              <a:buNone/>
+            </a:pPr>
+            <a:endParaRPr lang="en-US" dirty="0"/>
+          </a:p>
+          <a:p>
+            <a:endParaRPr lang="en-US" dirty="0"/>
+          </a:p>
+          <a:p>
+            <a:pPr lvl="1"/>
+            <a:endParaRPr lang="en-US" dirty="0"/>
+          </a:p>
+          <a:p>
+            <a:pPr marL="457200" lvl="1" indent="0">
+              <a:buNone/>
+            </a:pPr>
+            <a:endParaRPr lang="en-US" dirty="0"/>
+          </a:p>
+          <a:p>
+            <a:pPr lvl="1"/>
+            <a:endParaRPr lang="en-US" dirty="0"/>
+          </a:p>
+          <a:p>
+            <a:endParaRPr lang="en-IN" dirty="0"/>
+          </a:p>
+        </p:txBody>
+      </p:sp>
+      <p:pic>
+        <p:nvPicPr>
+          <p:cNvPr id="5" name="Picture 4">
+            <a:extLst>
+              <a:ext uri="{FF2B5EF4-FFF2-40B4-BE49-F238E27FC236}">
+                <a16:creationId xmlns:a16="http://schemas.microsoft.com/office/drawing/2014/main" id="{73F10DA5-91AD-874D-EAC1-34467F0E56EE}"/>
+              </a:ext>
+            </a:extLst>
+          </p:cNvPr>
+          <p:cNvPicPr>
+            <a:picLocks noChangeAspect="1"/>
+          </p:cNvPicPr>
+          <p:nvPr/>
+        </p:nvPicPr>
+        <p:blipFill>
+          <a:blip r:embed="rId3"/>
+          <a:stretch>
+            <a:fillRect/>
+          </a:stretch>
+        </p:blipFill>
+        <p:spPr>
+          <a:xfrm>
+            <a:off x="1779294" y="3786276"/>
+            <a:ext cx="5448819" cy="774837"/>
+          </a:xfrm>
+          <a:prstGeom prst="rect">
+            <a:avLst/>
+          </a:prstGeom>
+        </p:spPr>
+      </p:pic>
+    </p:spTree>
+    <p:extLst>
+      <p:ext uri="{BB962C8B-B14F-4D97-AF65-F5344CB8AC3E}">
+        <p14:creationId xmlns:p14="http://schemas.microsoft.com/office/powerpoint/2010/main" val="150694853"/>
+      </p:ext>
+    </p:extLst>
+  </p:cSld>
+  <p:clrMapOvr>
+    <a:masterClrMapping/>
+  </p:clrMapOvr>
+</p:sld>
+</file>
+
+<file path=ppt/slides/slide7.xml><?xml version="1.0" encoding="utf-8"?>
+<p:sld xmlns:a="http://schemas.openxmlformats.org/drawingml/2006/main" xmlns:r="http://schemas.openxmlformats.org/officeDocument/2006/relationships" xmlns:p="http://schemas.openxmlformats.org/presentationml/2006/main">
+  <p:cSld>
+    <p:spTree>
+      <p:nvGrpSpPr>
+        <p:cNvPr id="1" name=""/>
+        <p:cNvGrpSpPr/>
+        <p:nvPr/>
+      </p:nvGrpSpPr>
+      <p:grpSpPr>
+        <a:xfrm>
+          <a:off x="0" y="0"/>
+          <a:ext cx="0" cy="0"/>
+          <a:chOff x="0" y="0"/>
+          <a:chExt cx="0" cy="0"/>
+        </a:xfrm>
+      </p:grpSpPr>
+      <p:sp>
+        <p:nvSpPr>
+          <p:cNvPr id="2" name="Title 1">
+            <a:extLst>
+              <a:ext uri="{FF2B5EF4-FFF2-40B4-BE49-F238E27FC236}">
+                <a16:creationId xmlns:a16="http://schemas.microsoft.com/office/drawing/2014/main" id="{815C415B-C530-E85A-4B71-CDB95E80074C}"/>
+              </a:ext>
+            </a:extLst>
+          </p:cNvPr>
+          <p:cNvSpPr>
+            <a:spLocks noGrp="1"/>
+          </p:cNvSpPr>
+          <p:nvPr>
+            <p:ph type="title"/>
+          </p:nvPr>
+        </p:nvSpPr>
+        <p:spPr/>
+        <p:txBody>
+          <a:bodyPr/>
+          <a:lstStyle/>
+          <a:p>
+            <a:r>
+              <a:rPr lang="en-US" dirty="0"/>
+              <a:t>Add files to </a:t>
+            </a:r>
+            <a:r>
+              <a:rPr lang="en-US" dirty="0" err="1"/>
+              <a:t>GITHub</a:t>
+            </a:r>
+            <a:endParaRPr lang="en-IN" dirty="0"/>
+          </a:p>
+        </p:txBody>
+      </p:sp>
+      <p:sp>
+        <p:nvSpPr>
+          <p:cNvPr id="3" name="Content Placeholder 2">
+            <a:extLst>
+              <a:ext uri="{FF2B5EF4-FFF2-40B4-BE49-F238E27FC236}">
+                <a16:creationId xmlns:a16="http://schemas.microsoft.com/office/drawing/2014/main" id="{9F0432E0-9DEB-F477-52D5-050FD55B57C6}"/>
+              </a:ext>
+            </a:extLst>
+          </p:cNvPr>
+          <p:cNvSpPr>
+            <a:spLocks noGrp="1"/>
+          </p:cNvSpPr>
+          <p:nvPr>
+            <p:ph idx="1"/>
+          </p:nvPr>
+        </p:nvSpPr>
+        <p:spPr/>
+        <p:txBody>
+          <a:bodyPr/>
+          <a:lstStyle/>
+          <a:p>
+            <a:r>
+              <a:rPr lang="en-US" dirty="0"/>
+              <a:t>Browse to path and select the </a:t>
+            </a:r>
+          </a:p>
+          <a:p>
+            <a:pPr marL="0" indent="0">
+              <a:buNone/>
+            </a:pPr>
+            <a:r>
+              <a:rPr lang="en-US" dirty="0"/>
+              <a:t>“Git Bash Here” and follow below commands, </a:t>
+            </a:r>
+          </a:p>
+          <a:p>
+            <a:pPr lvl="1"/>
+            <a:r>
+              <a:rPr lang="en-US" dirty="0"/>
+              <a:t>git </a:t>
+            </a:r>
+            <a:r>
+              <a:rPr lang="en-US" dirty="0" err="1"/>
+              <a:t>init</a:t>
+            </a:r>
+            <a:r>
+              <a:rPr lang="en-US" dirty="0"/>
+              <a:t> - To create new Git repository</a:t>
+            </a:r>
+          </a:p>
+          <a:p>
+            <a:pPr lvl="1"/>
+            <a:r>
+              <a:rPr lang="en-US" dirty="0"/>
+              <a:t>git add – To add the code in the branch</a:t>
+            </a:r>
+          </a:p>
+          <a:p>
+            <a:pPr lvl="1"/>
+            <a:r>
+              <a:rPr lang="en-US" dirty="0"/>
+              <a:t>git commit – To commit the changes</a:t>
+            </a:r>
+          </a:p>
+          <a:p>
+            <a:pPr lvl="1"/>
+            <a:r>
+              <a:rPr lang="en-US" dirty="0"/>
+              <a:t>git push – Push the code to repository</a:t>
+            </a:r>
+          </a:p>
+          <a:p>
+            <a:endParaRPr lang="en-IN" dirty="0"/>
+          </a:p>
+        </p:txBody>
+      </p:sp>
+      <p:pic>
+        <p:nvPicPr>
+          <p:cNvPr id="7" name="Picture 6">
+            <a:extLst>
+              <a:ext uri="{FF2B5EF4-FFF2-40B4-BE49-F238E27FC236}">
+                <a16:creationId xmlns:a16="http://schemas.microsoft.com/office/drawing/2014/main" id="{83F2149E-75D2-54FB-D634-E32DAFC50A40}"/>
+              </a:ext>
+            </a:extLst>
+          </p:cNvPr>
+          <p:cNvPicPr>
+            <a:picLocks noChangeAspect="1"/>
+          </p:cNvPicPr>
+          <p:nvPr/>
+        </p:nvPicPr>
+        <p:blipFill>
+          <a:blip r:embed="rId2"/>
+          <a:stretch>
+            <a:fillRect/>
+          </a:stretch>
+        </p:blipFill>
+        <p:spPr>
+          <a:xfrm>
+            <a:off x="7665144" y="365125"/>
+            <a:ext cx="4394725" cy="6024787"/>
+          </a:xfrm>
+          <a:prstGeom prst="rect">
+            <a:avLst/>
+          </a:prstGeom>
+        </p:spPr>
+      </p:pic>
+    </p:spTree>
+    <p:extLst>
+      <p:ext uri="{BB962C8B-B14F-4D97-AF65-F5344CB8AC3E}">
+        <p14:creationId xmlns:p14="http://schemas.microsoft.com/office/powerpoint/2010/main" val="3489051027"/>
+      </p:ext>
+    </p:extLst>
+  </p:cSld>
+  <p:clrMapOvr>
+    <a:masterClrMapping/>
+  </p:clrMapOvr>
+</p:sld>
+</file>
+
+<file path=ppt/slides/slide8.xml><?xml version="1.0" encoding="utf-8"?>
+<p:sld xmlns:a="http://schemas.openxmlformats.org/drawingml/2006/main" xmlns:r="http://schemas.openxmlformats.org/officeDocument/2006/relationships" xmlns:p="http://schemas.openxmlformats.org/presentationml/2006/main">
+  <p:cSld>
+    <p:spTree>
+      <p:nvGrpSpPr>
+        <p:cNvPr id="1" name=""/>
+        <p:cNvGrpSpPr/>
+        <p:nvPr/>
+      </p:nvGrpSpPr>
+      <p:grpSpPr>
+        <a:xfrm>
+          <a:off x="0" y="0"/>
+          <a:ext cx="0" cy="0"/>
+          <a:chOff x="0" y="0"/>
+          <a:chExt cx="0" cy="0"/>
+        </a:xfrm>
+      </p:grpSpPr>
+      <p:sp>
+        <p:nvSpPr>
+          <p:cNvPr id="2" name="Title 1">
+            <a:extLst>
+              <a:ext uri="{FF2B5EF4-FFF2-40B4-BE49-F238E27FC236}">
                 <a16:creationId xmlns:a16="http://schemas.microsoft.com/office/drawing/2014/main" id="{E8CB0A6A-4EF8-4307-F1B1-4822FB1275A4}"/>
               </a:ext>
             </a:extLst>
@@ -4275,10 +4679,238 @@
           <a:bodyPr/>
           <a:lstStyle/>
           <a:p>
+            <a:pPr lvl="1"/>
+            <a:r>
+              <a:rPr lang="en-IN"/>
+              <a:t>In </a:t>
+            </a:r>
+            <a:r>
+              <a:rPr lang="en-IN" dirty="0"/>
+              <a:t>the search, type the “Git Repository”.</a:t>
+            </a:r>
+          </a:p>
+          <a:p>
+            <a:pPr lvl="1"/>
+            <a:r>
+              <a:rPr lang="en-IN" dirty="0"/>
+              <a:t>Click the Icon “New Repository”.</a:t>
+            </a:r>
+          </a:p>
+          <a:p>
+            <a:pPr lvl="1"/>
+            <a:r>
+              <a:rPr lang="en-IN" dirty="0"/>
+              <a:t>Right click Git Repository and click</a:t>
+            </a:r>
+          </a:p>
+          <a:p>
+            <a:pPr marL="457200" lvl="1" indent="0">
+              <a:buNone/>
+            </a:pPr>
+            <a:r>
+              <a:rPr lang="en-IN" dirty="0"/>
+              <a:t>commit and the push the code.</a:t>
+            </a:r>
+          </a:p>
+          <a:p>
+            <a:pPr lvl="1"/>
+            <a:r>
+              <a:rPr lang="en-IN" dirty="0"/>
+              <a:t>Point to origin and the code will be</a:t>
+            </a:r>
+          </a:p>
+          <a:p>
+            <a:pPr marL="457200" lvl="1" indent="0">
+              <a:buNone/>
+            </a:pPr>
+            <a:r>
+              <a:rPr lang="en-IN" dirty="0"/>
+              <a:t>pushed to origin.</a:t>
+            </a:r>
+          </a:p>
+          <a:p>
+            <a:pPr lvl="1"/>
             <a:endParaRPr lang="en-IN" dirty="0"/>
           </a:p>
-        </p:txBody>
-      </p:sp>
+          <a:p>
+            <a:pPr lvl="1"/>
+            <a:endParaRPr lang="en-IN" dirty="0"/>
+          </a:p>
+        </p:txBody>
+      </p:sp>
+      <p:pic>
+        <p:nvPicPr>
+          <p:cNvPr id="7" name="Picture 6">
+            <a:extLst>
+              <a:ext uri="{FF2B5EF4-FFF2-40B4-BE49-F238E27FC236}">
+                <a16:creationId xmlns:a16="http://schemas.microsoft.com/office/drawing/2014/main" id="{E8F9CB7B-14E6-9574-519A-6EC5438BC9A8}"/>
+              </a:ext>
+            </a:extLst>
+          </p:cNvPr>
+          <p:cNvPicPr>
+            <a:picLocks noChangeAspect="1"/>
+          </p:cNvPicPr>
+          <p:nvPr/>
+        </p:nvPicPr>
+        <p:blipFill>
+          <a:blip r:embed="rId2"/>
+          <a:stretch>
+            <a:fillRect/>
+          </a:stretch>
+        </p:blipFill>
+        <p:spPr>
+          <a:xfrm>
+            <a:off x="7895869" y="1625117"/>
+            <a:ext cx="2463927" cy="577880"/>
+          </a:xfrm>
+          <a:prstGeom prst="rect">
+            <a:avLst/>
+          </a:prstGeom>
+        </p:spPr>
+      </p:pic>
+      <p:pic>
+        <p:nvPicPr>
+          <p:cNvPr id="9" name="Picture 8">
+            <a:extLst>
+              <a:ext uri="{FF2B5EF4-FFF2-40B4-BE49-F238E27FC236}">
+                <a16:creationId xmlns:a16="http://schemas.microsoft.com/office/drawing/2014/main" id="{DAD69523-02E3-506E-1993-2AB4E7B544F3}"/>
+              </a:ext>
+            </a:extLst>
+          </p:cNvPr>
+          <p:cNvPicPr>
+            <a:picLocks noChangeAspect="1"/>
+          </p:cNvPicPr>
+          <p:nvPr/>
+        </p:nvPicPr>
+        <p:blipFill>
+          <a:blip r:embed="rId3"/>
+          <a:stretch>
+            <a:fillRect/>
+          </a:stretch>
+        </p:blipFill>
+        <p:spPr>
+          <a:xfrm>
+            <a:off x="7933971" y="2568751"/>
+            <a:ext cx="2425825" cy="425472"/>
+          </a:xfrm>
+          <a:prstGeom prst="rect">
+            <a:avLst/>
+          </a:prstGeom>
+        </p:spPr>
+      </p:pic>
+      <p:cxnSp>
+        <p:nvCxnSpPr>
+          <p:cNvPr id="11" name="Straight Arrow Connector 10">
+            <a:extLst>
+              <a:ext uri="{FF2B5EF4-FFF2-40B4-BE49-F238E27FC236}">
+                <a16:creationId xmlns:a16="http://schemas.microsoft.com/office/drawing/2014/main" id="{2F467496-DF0D-8D9C-E9E1-571B4EF614E4}"/>
+              </a:ext>
+            </a:extLst>
+          </p:cNvPr>
+          <p:cNvCxnSpPr>
+            <a:cxnSpLocks/>
+            <a:stCxn id="7" idx="2"/>
+          </p:cNvCxnSpPr>
+          <p:nvPr/>
+        </p:nvCxnSpPr>
+        <p:spPr>
+          <a:xfrm flipH="1">
+            <a:off x="9127832" y="2202997"/>
+            <a:ext cx="1" cy="365754"/>
+          </a:xfrm>
+          <a:prstGeom prst="straightConnector1">
+            <a:avLst/>
+          </a:prstGeom>
+          <a:ln>
+            <a:tailEnd type="triangle"/>
+          </a:ln>
+        </p:spPr>
+        <p:style>
+          <a:lnRef idx="1">
+            <a:schemeClr val="accent1"/>
+          </a:lnRef>
+          <a:fillRef idx="0">
+            <a:schemeClr val="accent1"/>
+          </a:fillRef>
+          <a:effectRef idx="0">
+            <a:schemeClr val="accent1"/>
+          </a:effectRef>
+          <a:fontRef idx="minor">
+            <a:schemeClr val="tx1"/>
+          </a:fontRef>
+        </p:style>
+      </p:cxnSp>
+      <p:cxnSp>
+        <p:nvCxnSpPr>
+          <p:cNvPr id="14" name="Straight Arrow Connector 13">
+            <a:extLst>
+              <a:ext uri="{FF2B5EF4-FFF2-40B4-BE49-F238E27FC236}">
+                <a16:creationId xmlns:a16="http://schemas.microsoft.com/office/drawing/2014/main" id="{8FAD1162-E594-55B7-C93F-D172B7544A3F}"/>
+              </a:ext>
+            </a:extLst>
+          </p:cNvPr>
+          <p:cNvCxnSpPr>
+            <a:cxnSpLocks/>
+          </p:cNvCxnSpPr>
+          <p:nvPr/>
+        </p:nvCxnSpPr>
+        <p:spPr>
+          <a:xfrm flipH="1">
+            <a:off x="9146882" y="2994223"/>
+            <a:ext cx="1" cy="365754"/>
+          </a:xfrm>
+          <a:prstGeom prst="straightConnector1">
+            <a:avLst/>
+          </a:prstGeom>
+          <a:ln>
+            <a:tailEnd type="triangle"/>
+          </a:ln>
+        </p:spPr>
+        <p:style>
+          <a:lnRef idx="1">
+            <a:schemeClr val="accent1"/>
+          </a:lnRef>
+          <a:fillRef idx="0">
+            <a:schemeClr val="accent1"/>
+          </a:fillRef>
+          <a:effectRef idx="0">
+            <a:schemeClr val="accent1"/>
+          </a:effectRef>
+          <a:fontRef idx="minor">
+            <a:schemeClr val="tx1"/>
+          </a:fontRef>
+        </p:style>
+      </p:cxnSp>
+      <p:pic>
+        <p:nvPicPr>
+          <p:cNvPr id="16" name="Picture 15">
+            <a:extLst>
+              <a:ext uri="{FF2B5EF4-FFF2-40B4-BE49-F238E27FC236}">
+                <a16:creationId xmlns:a16="http://schemas.microsoft.com/office/drawing/2014/main" id="{081DC130-2E6D-08E4-907A-09D34EB38E18}"/>
+              </a:ext>
+            </a:extLst>
+          </p:cNvPr>
+          <p:cNvPicPr>
+            <a:picLocks noChangeAspect="1"/>
+          </p:cNvPicPr>
+          <p:nvPr/>
+        </p:nvPicPr>
+        <p:blipFill>
+          <a:blip r:embed="rId4"/>
+          <a:stretch>
+            <a:fillRect/>
+          </a:stretch>
+        </p:blipFill>
+        <p:spPr>
+          <a:xfrm>
+            <a:off x="5960769" y="3429000"/>
+            <a:ext cx="6372225" cy="942975"/>
+          </a:xfrm>
+          <a:prstGeom prst="rect">
+            <a:avLst/>
+          </a:prstGeom>
+        </p:spPr>
+      </p:pic>
     </p:spTree>
     <p:extLst>
       <p:ext uri="{BB962C8B-B14F-4D97-AF65-F5344CB8AC3E}">
